--- a/Git instructions.pptx
+++ b/Git instructions.pptx
@@ -207,7 +207,7 @@
           <a:p>
             <a:fld id="{3AD818D7-DF4E-4C59-9BBA-548250DAC33A}" type="datetimeFigureOut">
               <a:rPr lang="en-US" smtClean="0"/>
-              <a:t>11/20/21</a:t>
+              <a:t>11/21/21</a:t>
             </a:fld>
             <a:endParaRPr lang="en-US" dirty="0"/>
           </a:p>
@@ -1196,7 +1196,7 @@
           <a:p>
             <a:fld id="{3E149229-E3F7-4B08-B8B0-567DB9AE2DBD}" type="datetime1">
               <a:rPr lang="en-US" smtClean="0"/>
-              <a:t>11/20/21</a:t>
+              <a:t>11/21/21</a:t>
             </a:fld>
             <a:endParaRPr lang="en-US" dirty="0"/>
           </a:p>
@@ -1443,7 +1443,7 @@
           <a:p>
             <a:fld id="{215760AF-08CF-488B-8265-5F1D88C1C64E}" type="datetime1">
               <a:rPr lang="en-US" smtClean="0"/>
-              <a:t>11/20/21</a:t>
+              <a:t>11/21/21</a:t>
             </a:fld>
             <a:endParaRPr lang="en-US" dirty="0"/>
           </a:p>
@@ -1753,7 +1753,7 @@
           <a:p>
             <a:fld id="{9FD41802-9AAA-4EB8-B737-B207AD0C712F}" type="datetime1">
               <a:rPr lang="en-US" smtClean="0"/>
-              <a:t>11/20/21</a:t>
+              <a:t>11/21/21</a:t>
             </a:fld>
             <a:endParaRPr lang="en-US" dirty="0"/>
           </a:p>
@@ -2090,7 +2090,7 @@
           <a:p>
             <a:fld id="{E8B27BB6-0FDA-4EDD-A5D1-79FFF12955B7}" type="datetime1">
               <a:rPr lang="en-US" smtClean="0"/>
-              <a:t>11/20/21</a:t>
+              <a:t>11/21/21</a:t>
             </a:fld>
             <a:endParaRPr lang="en-US" dirty="0"/>
           </a:p>
@@ -2400,7 +2400,7 @@
           <a:p>
             <a:fld id="{62CB08FB-4F0B-44DE-8994-0595D6ECCDCE}" type="datetime1">
               <a:rPr lang="en-US" smtClean="0"/>
-              <a:t>11/20/21</a:t>
+              <a:t>11/21/21</a:t>
             </a:fld>
             <a:endParaRPr lang="en-US" dirty="0"/>
           </a:p>
@@ -2789,7 +2789,7 @@
           <a:p>
             <a:fld id="{D29AB015-62A3-4A29-BC49-965FA4BE59CA}" type="datetime1">
               <a:rPr lang="en-US" smtClean="0"/>
-              <a:t>11/20/21</a:t>
+              <a:t>11/21/21</a:t>
             </a:fld>
             <a:endParaRPr lang="en-US" dirty="0"/>
           </a:p>
@@ -2955,7 +2955,7 @@
           <a:p>
             <a:fld id="{8BA46181-5447-4050-89D3-AA326DE4DA13}" type="datetime1">
               <a:rPr lang="en-US" smtClean="0"/>
-              <a:t>11/20/21</a:t>
+              <a:t>11/21/21</a:t>
             </a:fld>
             <a:endParaRPr lang="en-US" dirty="0"/>
           </a:p>
@@ -3130,7 +3130,7 @@
           <a:p>
             <a:fld id="{FF450F08-CAEB-42BA-9362-548763B98147}" type="datetime1">
               <a:rPr lang="en-US" smtClean="0"/>
-              <a:t>11/20/21</a:t>
+              <a:t>11/21/21</a:t>
             </a:fld>
             <a:endParaRPr lang="en-US" dirty="0"/>
           </a:p>
@@ -3302,7 +3302,7 @@
           <a:p>
             <a:fld id="{2D6026DC-D31F-40BA-B49D-47D87B9BA087}" type="datetime1">
               <a:rPr lang="en-US" smtClean="0"/>
-              <a:t>11/20/21</a:t>
+              <a:t>11/21/21</a:t>
             </a:fld>
             <a:endParaRPr lang="en-US" dirty="0"/>
           </a:p>
@@ -3545,7 +3545,7 @@
           <a:p>
             <a:fld id="{0E2464DF-92FB-4D4C-B2DE-15BC5F46772E}" type="datetime1">
               <a:rPr lang="en-US" smtClean="0"/>
-              <a:t>11/20/21</a:t>
+              <a:t>11/21/21</a:t>
             </a:fld>
             <a:endParaRPr lang="en-US" dirty="0"/>
           </a:p>
@@ -3773,7 +3773,7 @@
           <a:p>
             <a:fld id="{127F1A99-F4C1-4E12-B7D3-A88A44F4EB10}" type="datetime1">
               <a:rPr lang="en-US" smtClean="0"/>
-              <a:t>11/20/21</a:t>
+              <a:t>11/21/21</a:t>
             </a:fld>
             <a:endParaRPr lang="en-US" dirty="0"/>
           </a:p>
@@ -4142,7 +4142,7 @@
           <a:p>
             <a:fld id="{0F2E7458-324C-48F7-80F5-74B19E1CAFEB}" type="datetime1">
               <a:rPr lang="en-US" smtClean="0"/>
-              <a:t>11/20/21</a:t>
+              <a:t>11/21/21</a:t>
             </a:fld>
             <a:endParaRPr lang="en-US" dirty="0"/>
           </a:p>
@@ -4261,7 +4261,7 @@
           <a:p>
             <a:fld id="{B60B054C-5E05-4896-867A-8DB56A20C8AC}" type="datetime1">
               <a:rPr lang="en-US" smtClean="0"/>
-              <a:t>11/20/21</a:t>
+              <a:t>11/21/21</a:t>
             </a:fld>
             <a:endParaRPr lang="en-US" dirty="0"/>
           </a:p>
@@ -4352,7 +4352,7 @@
           <a:p>
             <a:fld id="{A694B787-46DA-4B4F-B781-E768630FCF2A}" type="datetime1">
               <a:rPr lang="en-US" smtClean="0"/>
-              <a:t>11/20/21</a:t>
+              <a:t>11/21/21</a:t>
             </a:fld>
             <a:endParaRPr lang="en-US" dirty="0"/>
           </a:p>
@@ -4603,7 +4603,7 @@
           <a:p>
             <a:fld id="{AFE38CE2-82D3-4BA2-B844-E7281181CD7A}" type="datetime1">
               <a:rPr lang="en-US" smtClean="0"/>
-              <a:t>11/20/21</a:t>
+              <a:t>11/21/21</a:t>
             </a:fld>
             <a:endParaRPr lang="en-US" dirty="0"/>
           </a:p>
@@ -4861,7 +4861,7 @@
           <a:p>
             <a:fld id="{A60FF511-91B4-4318-A9F6-BECE1367AD14}" type="datetime1">
               <a:rPr lang="en-US" smtClean="0"/>
-              <a:t>11/20/21</a:t>
+              <a:t>11/21/21</a:t>
             </a:fld>
             <a:endParaRPr lang="en-US" dirty="0"/>
           </a:p>
@@ -5600,7 +5600,7 @@
           <a:p>
             <a:fld id="{1AA39CD9-90D5-49BD-B792-F7F07D136C39}" type="datetime1">
               <a:rPr lang="en-US" smtClean="0"/>
-              <a:t>11/20/21</a:t>
+              <a:t>11/21/21</a:t>
             </a:fld>
             <a:endParaRPr lang="en-US" dirty="0"/>
           </a:p>
@@ -7267,7 +7267,7 @@
         </p:nvSpPr>
         <p:spPr>
           <a:xfrm>
-            <a:off x="1939290" y="1723013"/>
+            <a:off x="2052306" y="1794933"/>
             <a:ext cx="9643110" cy="3046988"/>
           </a:xfrm>
           <a:prstGeom prst="rect">
@@ -7331,21 +7331,8 @@
                   <a:srgbClr val="FF0000"/>
                 </a:solidFill>
               </a:rPr>
-              <a:t>git push -</a:t>
-            </a:r>
-            <a:r>
-              <a:rPr lang="en-US" sz="2400" b="1">
-                <a:solidFill>
-                  <a:srgbClr val="FF0000"/>
-                </a:solidFill>
-              </a:rPr>
-              <a:t>u origin master</a:t>
-            </a:r>
-            <a:endParaRPr lang="en-US" sz="2400" b="1" dirty="0">
-              <a:solidFill>
-                <a:srgbClr val="FF0000"/>
-              </a:solidFill>
-            </a:endParaRPr>
+              <a:t>git push -u origin master</a:t>
+            </a:r>
           </a:p>
         </p:txBody>
       </p:sp>
@@ -11244,23 +11231,6 @@
 </file>
 
 <file path=customXml/item1.xml><?xml version="1.0" encoding="utf-8"?>
-<p:properties xmlns:p="http://schemas.microsoft.com/office/2006/metadata/properties" xmlns:xsi="http://www.w3.org/2001/XMLSchema-instance" xmlns:pc="http://schemas.microsoft.com/office/infopath/2007/PartnerControls">
-  <documentManagement>
-    <MediaServiceKeyPoints xmlns="71af3243-3dd4-4a8d-8c0d-dd76da1f02a5" xsi:nil="true"/>
-  </documentManagement>
-</p:properties>
-</file>
-
-<file path=customXml/item2.xml><?xml version="1.0" encoding="utf-8"?>
-<?mso-contentType ?>
-<FormTemplates xmlns="http://schemas.microsoft.com/sharepoint/v3/contenttype/forms">
-  <Display>DocumentLibraryForm</Display>
-  <Edit>DocumentLibraryForm</Edit>
-  <New>DocumentLibraryForm</New>
-</FormTemplates>
-</file>
-
-<file path=customXml/item3.xml><?xml version="1.0" encoding="utf-8"?>
 <ct:contentTypeSchema xmlns:ct="http://schemas.microsoft.com/office/2006/metadata/contentType" xmlns:ma="http://schemas.microsoft.com/office/2006/metadata/properties/metaAttributes" ct:_="" ma:_="" ma:contentTypeName="Document" ma:contentTypeID="0x01010079F111ED35F8CC479449609E8A0923A6" ma:contentTypeVersion="11" ma:contentTypeDescription="Create a new document." ma:contentTypeScope="" ma:versionID="9677210f24a1be23c92c90fd886aa0aa">
   <xsd:schema xmlns:xsd="http://www.w3.org/2001/XMLSchema" xmlns:xs="http://www.w3.org/2001/XMLSchema" xmlns:p="http://schemas.microsoft.com/office/2006/metadata/properties" xmlns:ns2="71af3243-3dd4-4a8d-8c0d-dd76da1f02a5" xmlns:ns3="16c05727-aa75-4e4a-9b5f-8a80a1165891" targetNamespace="http://schemas.microsoft.com/office/2006/metadata/properties" ma:root="true" ma:fieldsID="60e05723c5c1908df1a1a4ebf11d344e" ns2:_="" ns3:_="">
     <xsd:import namespace="71af3243-3dd4-4a8d-8c0d-dd76da1f02a5"/>
@@ -11471,32 +11441,24 @@
 </ct:contentTypeSchema>
 </file>
 
-<file path=customXml/itemProps1.xml><?xml version="1.0" encoding="utf-8"?>
-<ds:datastoreItem xmlns:ds="http://schemas.openxmlformats.org/officeDocument/2006/customXml" ds:itemID="{CC24F515-356D-4532-BE08-F6D7771916F0}">
-  <ds:schemaRefs>
-    <ds:schemaRef ds:uri="http://purl.org/dc/terms/"/>
-    <ds:schemaRef ds:uri="http://schemas.openxmlformats.org/package/2006/metadata/core-properties"/>
-    <ds:schemaRef ds:uri="16c05727-aa75-4e4a-9b5f-8a80a1165891"/>
-    <ds:schemaRef ds:uri="http://purl.org/dc/dcmitype/"/>
-    <ds:schemaRef ds:uri="http://schemas.microsoft.com/office/infopath/2007/PartnerControls"/>
-    <ds:schemaRef ds:uri="http://schemas.microsoft.com/office/2006/documentManagement/types"/>
-    <ds:schemaRef ds:uri="http://purl.org/dc/elements/1.1/"/>
-    <ds:schemaRef ds:uri="http://schemas.microsoft.com/office/2006/metadata/properties"/>
-    <ds:schemaRef ds:uri="71af3243-3dd4-4a8d-8c0d-dd76da1f02a5"/>
-    <ds:schemaRef ds:uri="http://www.w3.org/XML/1998/namespace"/>
-  </ds:schemaRefs>
-</ds:datastoreItem>
+<file path=customXml/item2.xml><?xml version="1.0" encoding="utf-8"?>
+<?mso-contentType ?>
+<FormTemplates xmlns="http://schemas.microsoft.com/sharepoint/v3/contenttype/forms">
+  <Display>DocumentLibraryForm</Display>
+  <Edit>DocumentLibraryForm</Edit>
+  <New>DocumentLibraryForm</New>
+</FormTemplates>
 </file>
 
-<file path=customXml/itemProps2.xml><?xml version="1.0" encoding="utf-8"?>
-<ds:datastoreItem xmlns:ds="http://schemas.openxmlformats.org/officeDocument/2006/customXml" ds:itemID="{9AEF1282-A6E9-4912-8AB9-8ED69BF7097D}">
-  <ds:schemaRefs>
-    <ds:schemaRef ds:uri="http://schemas.microsoft.com/sharepoint/v3/contenttype/forms"/>
-  </ds:schemaRefs>
-</ds:datastoreItem>
+<file path=customXml/item3.xml><?xml version="1.0" encoding="utf-8"?>
+<p:properties xmlns:p="http://schemas.microsoft.com/office/2006/metadata/properties" xmlns:xsi="http://www.w3.org/2001/XMLSchema-instance" xmlns:pc="http://schemas.microsoft.com/office/infopath/2007/PartnerControls">
+  <documentManagement>
+    <MediaServiceKeyPoints xmlns="71af3243-3dd4-4a8d-8c0d-dd76da1f02a5" xsi:nil="true"/>
+  </documentManagement>
+</p:properties>
 </file>
 
-<file path=customXml/itemProps3.xml><?xml version="1.0" encoding="utf-8"?>
+<file path=customXml/itemProps1.xml><?xml version="1.0" encoding="utf-8"?>
 <ds:datastoreItem xmlns:ds="http://schemas.openxmlformats.org/officeDocument/2006/customXml" ds:itemID="{83E04B51-1D33-4F14-BBD7-79D7D27E2EE4}">
   <ds:schemaRefs>
     <ds:schemaRef ds:uri="http://schemas.microsoft.com/office/2006/metadata/contentType"/>
@@ -11513,4 +11475,29 @@
     <ds:schemaRef ds:uri="http://schemas.microsoft.com/internal/obd"/>
   </ds:schemaRefs>
 </ds:datastoreItem>
+</file>
+
+<file path=customXml/itemProps2.xml><?xml version="1.0" encoding="utf-8"?>
+<ds:datastoreItem xmlns:ds="http://schemas.openxmlformats.org/officeDocument/2006/customXml" ds:itemID="{9AEF1282-A6E9-4912-8AB9-8ED69BF7097D}">
+  <ds:schemaRefs>
+    <ds:schemaRef ds:uri="http://schemas.microsoft.com/sharepoint/v3/contenttype/forms"/>
+  </ds:schemaRefs>
+</ds:datastoreItem>
+</file>
+
+<file path=customXml/itemProps3.xml><?xml version="1.0" encoding="utf-8"?>
+<ds:datastoreItem xmlns:ds="http://schemas.openxmlformats.org/officeDocument/2006/customXml" ds:itemID="{CC24F515-356D-4532-BE08-F6D7771916F0}">
+  <ds:schemaRefs>
+    <ds:schemaRef ds:uri="http://purl.org/dc/terms/"/>
+    <ds:schemaRef ds:uri="http://schemas.openxmlformats.org/package/2006/metadata/core-properties"/>
+    <ds:schemaRef ds:uri="16c05727-aa75-4e4a-9b5f-8a80a1165891"/>
+    <ds:schemaRef ds:uri="http://purl.org/dc/dcmitype/"/>
+    <ds:schemaRef ds:uri="http://schemas.microsoft.com/office/infopath/2007/PartnerControls"/>
+    <ds:schemaRef ds:uri="http://schemas.microsoft.com/office/2006/documentManagement/types"/>
+    <ds:schemaRef ds:uri="http://purl.org/dc/elements/1.1/"/>
+    <ds:schemaRef ds:uri="http://schemas.microsoft.com/office/2006/metadata/properties"/>
+    <ds:schemaRef ds:uri="71af3243-3dd4-4a8d-8c0d-dd76da1f02a5"/>
+    <ds:schemaRef ds:uri="http://www.w3.org/XML/1998/namespace"/>
+  </ds:schemaRefs>
+</ds:datastoreItem>
 </file>